--- a/diagram/diagram.pptx
+++ b/diagram/diagram.pptx
@@ -5,12 +5,13 @@
     <p:sldMasterId id="2147483648" r:id="rId1"/>
   </p:sldMasterIdLst>
   <p:notesMasterIdLst>
-    <p:notesMasterId r:id="rId5"/>
+    <p:notesMasterId r:id="rId6"/>
   </p:notesMasterIdLst>
   <p:sldIdLst>
     <p:sldId id="256" r:id="rId2"/>
     <p:sldId id="257" r:id="rId3"/>
     <p:sldId id="258" r:id="rId4"/>
+    <p:sldId id="259" r:id="rId5"/>
   </p:sldIdLst>
   <p:sldSz cx="12192000" cy="6858000"/>
   <p:notesSz cx="6858000" cy="9144000"/>
@@ -199,7 +200,7 @@
           <a:p>
             <a:fld id="{04F1AB82-9D7A-44FA-A462-8757A931C9EE}" type="datetimeFigureOut">
               <a:rPr lang="zh-CN" altLang="en-US" smtClean="0"/>
-              <a:t>2020/2/22</a:t>
+              <a:t>2021/3/12</a:t>
             </a:fld>
             <a:endParaRPr lang="zh-CN" altLang="en-US"/>
           </a:p>
@@ -697,7 +698,7 @@
           <a:p>
             <a:fld id="{AD2E654F-5AF6-4BDD-BC13-27ABD08D0AA2}" type="datetimeFigureOut">
               <a:rPr lang="zh-CN" altLang="en-US" smtClean="0"/>
-              <a:t>2020/2/22</a:t>
+              <a:t>2021/3/12</a:t>
             </a:fld>
             <a:endParaRPr lang="zh-CN" altLang="en-US"/>
           </a:p>
@@ -895,7 +896,7 @@
           <a:p>
             <a:fld id="{AD2E654F-5AF6-4BDD-BC13-27ABD08D0AA2}" type="datetimeFigureOut">
               <a:rPr lang="zh-CN" altLang="en-US" smtClean="0"/>
-              <a:t>2020/2/22</a:t>
+              <a:t>2021/3/12</a:t>
             </a:fld>
             <a:endParaRPr lang="zh-CN" altLang="en-US"/>
           </a:p>
@@ -1103,7 +1104,7 @@
           <a:p>
             <a:fld id="{AD2E654F-5AF6-4BDD-BC13-27ABD08D0AA2}" type="datetimeFigureOut">
               <a:rPr lang="zh-CN" altLang="en-US" smtClean="0"/>
-              <a:t>2020/2/22</a:t>
+              <a:t>2021/3/12</a:t>
             </a:fld>
             <a:endParaRPr lang="zh-CN" altLang="en-US"/>
           </a:p>
@@ -1301,7 +1302,7 @@
           <a:p>
             <a:fld id="{AD2E654F-5AF6-4BDD-BC13-27ABD08D0AA2}" type="datetimeFigureOut">
               <a:rPr lang="zh-CN" altLang="en-US" smtClean="0"/>
-              <a:t>2020/2/22</a:t>
+              <a:t>2021/3/12</a:t>
             </a:fld>
             <a:endParaRPr lang="zh-CN" altLang="en-US"/>
           </a:p>
@@ -1576,7 +1577,7 @@
           <a:p>
             <a:fld id="{AD2E654F-5AF6-4BDD-BC13-27ABD08D0AA2}" type="datetimeFigureOut">
               <a:rPr lang="zh-CN" altLang="en-US" smtClean="0"/>
-              <a:t>2020/2/22</a:t>
+              <a:t>2021/3/12</a:t>
             </a:fld>
             <a:endParaRPr lang="zh-CN" altLang="en-US"/>
           </a:p>
@@ -1841,7 +1842,7 @@
           <a:p>
             <a:fld id="{AD2E654F-5AF6-4BDD-BC13-27ABD08D0AA2}" type="datetimeFigureOut">
               <a:rPr lang="zh-CN" altLang="en-US" smtClean="0"/>
-              <a:t>2020/2/22</a:t>
+              <a:t>2021/3/12</a:t>
             </a:fld>
             <a:endParaRPr lang="zh-CN" altLang="en-US"/>
           </a:p>
@@ -2253,7 +2254,7 @@
           <a:p>
             <a:fld id="{AD2E654F-5AF6-4BDD-BC13-27ABD08D0AA2}" type="datetimeFigureOut">
               <a:rPr lang="zh-CN" altLang="en-US" smtClean="0"/>
-              <a:t>2020/2/22</a:t>
+              <a:t>2021/3/12</a:t>
             </a:fld>
             <a:endParaRPr lang="zh-CN" altLang="en-US"/>
           </a:p>
@@ -2394,7 +2395,7 @@
           <a:p>
             <a:fld id="{AD2E654F-5AF6-4BDD-BC13-27ABD08D0AA2}" type="datetimeFigureOut">
               <a:rPr lang="zh-CN" altLang="en-US" smtClean="0"/>
-              <a:t>2020/2/22</a:t>
+              <a:t>2021/3/12</a:t>
             </a:fld>
             <a:endParaRPr lang="zh-CN" altLang="en-US"/>
           </a:p>
@@ -2507,7 +2508,7 @@
           <a:p>
             <a:fld id="{AD2E654F-5AF6-4BDD-BC13-27ABD08D0AA2}" type="datetimeFigureOut">
               <a:rPr lang="zh-CN" altLang="en-US" smtClean="0"/>
-              <a:t>2020/2/22</a:t>
+              <a:t>2021/3/12</a:t>
             </a:fld>
             <a:endParaRPr lang="zh-CN" altLang="en-US"/>
           </a:p>
@@ -2818,7 +2819,7 @@
           <a:p>
             <a:fld id="{AD2E654F-5AF6-4BDD-BC13-27ABD08D0AA2}" type="datetimeFigureOut">
               <a:rPr lang="zh-CN" altLang="en-US" smtClean="0"/>
-              <a:t>2020/2/22</a:t>
+              <a:t>2021/3/12</a:t>
             </a:fld>
             <a:endParaRPr lang="zh-CN" altLang="en-US"/>
           </a:p>
@@ -3106,7 +3107,7 @@
           <a:p>
             <a:fld id="{AD2E654F-5AF6-4BDD-BC13-27ABD08D0AA2}" type="datetimeFigureOut">
               <a:rPr lang="zh-CN" altLang="en-US" smtClean="0"/>
-              <a:t>2020/2/22</a:t>
+              <a:t>2021/3/12</a:t>
             </a:fld>
             <a:endParaRPr lang="zh-CN" altLang="en-US"/>
           </a:p>
@@ -3347,7 +3348,7 @@
           <a:p>
             <a:fld id="{AD2E654F-5AF6-4BDD-BC13-27ABD08D0AA2}" type="datetimeFigureOut">
               <a:rPr lang="zh-CN" altLang="en-US" smtClean="0"/>
-              <a:t>2020/2/22</a:t>
+              <a:t>2021/3/12</a:t>
             </a:fld>
             <a:endParaRPr lang="zh-CN" altLang="en-US"/>
           </a:p>
@@ -7207,51 +7208,1002 @@
       </p:grpSpPr>
       <p:sp>
         <p:nvSpPr>
-          <p:cNvPr id="2" name="标题 1">
-            <a:extLst>
-              <a:ext uri="{FF2B5EF4-FFF2-40B4-BE49-F238E27FC236}">
-                <a16:creationId xmlns:a16="http://schemas.microsoft.com/office/drawing/2014/main" id="{CB0E1BC3-549D-48BE-BA81-B785B41FD097}"/>
-              </a:ext>
-            </a:extLst>
-          </p:cNvPr>
-          <p:cNvSpPr>
-            <a:spLocks noGrp="1"/>
-          </p:cNvSpPr>
-          <p:nvPr>
-            <p:ph type="title"/>
-          </p:nvPr>
-        </p:nvSpPr>
-        <p:spPr/>
-        <p:txBody>
-          <a:bodyPr/>
-          <a:lstStyle/>
-          <a:p>
+          <p:cNvPr id="92" name="矩形 91">
+            <a:extLst>
+              <a:ext uri="{FF2B5EF4-FFF2-40B4-BE49-F238E27FC236}">
+                <a16:creationId xmlns:a16="http://schemas.microsoft.com/office/drawing/2014/main" id="{B58EF3B1-4768-4E46-9476-A98641495027}"/>
+              </a:ext>
+            </a:extLst>
+          </p:cNvPr>
+          <p:cNvSpPr/>
+          <p:nvPr/>
+        </p:nvSpPr>
+        <p:spPr>
+          <a:xfrm>
+            <a:off x="4671585" y="1571801"/>
+            <a:ext cx="2752437" cy="711199"/>
+          </a:xfrm>
+          <a:prstGeom prst="rect">
+            <a:avLst/>
+          </a:prstGeom>
+          <a:solidFill>
+            <a:schemeClr val="accent1">
+              <a:lumMod val="40000"/>
+              <a:lumOff val="60000"/>
+            </a:schemeClr>
+          </a:solidFill>
+          <a:ln w="9525">
+            <a:prstDash val="dash"/>
+          </a:ln>
+        </p:spPr>
+        <p:style>
+          <a:lnRef idx="2">
+            <a:schemeClr val="accent1">
+              <a:shade val="50000"/>
+            </a:schemeClr>
+          </a:lnRef>
+          <a:fillRef idx="1">
+            <a:schemeClr val="accent1"/>
+          </a:fillRef>
+          <a:effectRef idx="0">
+            <a:schemeClr val="accent1"/>
+          </a:effectRef>
+          <a:fontRef idx="minor">
+            <a:schemeClr val="lt1"/>
+          </a:fontRef>
+        </p:style>
+        <p:txBody>
+          <a:bodyPr rtlCol="0" anchor="ctr"/>
+          <a:lstStyle/>
+          <a:p>
+            <a:pPr algn="ctr"/>
             <a:endParaRPr lang="zh-CN" altLang="en-US"/>
           </a:p>
         </p:txBody>
       </p:sp>
       <p:sp>
         <p:nvSpPr>
-          <p:cNvPr id="3" name="内容占位符 2">
-            <a:extLst>
-              <a:ext uri="{FF2B5EF4-FFF2-40B4-BE49-F238E27FC236}">
-                <a16:creationId xmlns:a16="http://schemas.microsoft.com/office/drawing/2014/main" id="{EE8D67BF-DCBE-4ADF-AB7F-1410BE8CF5BC}"/>
-              </a:ext>
-            </a:extLst>
-          </p:cNvPr>
-          <p:cNvSpPr>
-            <a:spLocks noGrp="1"/>
-          </p:cNvSpPr>
-          <p:nvPr>
-            <p:ph idx="1"/>
-          </p:nvPr>
-        </p:nvSpPr>
-        <p:spPr/>
-        <p:txBody>
-          <a:bodyPr/>
-          <a:lstStyle/>
-          <a:p>
+          <p:cNvPr id="81" name="矩形 80">
+            <a:extLst>
+              <a:ext uri="{FF2B5EF4-FFF2-40B4-BE49-F238E27FC236}">
+                <a16:creationId xmlns:a16="http://schemas.microsoft.com/office/drawing/2014/main" id="{9EA240CE-1158-49FC-A9C8-C139060F478E}"/>
+              </a:ext>
+            </a:extLst>
+          </p:cNvPr>
+          <p:cNvSpPr/>
+          <p:nvPr/>
+        </p:nvSpPr>
+        <p:spPr>
+          <a:xfrm>
+            <a:off x="4298522" y="4479637"/>
+            <a:ext cx="3498564" cy="711199"/>
+          </a:xfrm>
+          <a:prstGeom prst="rect">
+            <a:avLst/>
+          </a:prstGeom>
+          <a:solidFill>
+            <a:schemeClr val="accent1">
+              <a:lumMod val="40000"/>
+              <a:lumOff val="60000"/>
+            </a:schemeClr>
+          </a:solidFill>
+          <a:ln w="9525">
+            <a:prstDash val="dash"/>
+          </a:ln>
+        </p:spPr>
+        <p:style>
+          <a:lnRef idx="2">
+            <a:schemeClr val="accent1">
+              <a:shade val="50000"/>
+            </a:schemeClr>
+          </a:lnRef>
+          <a:fillRef idx="1">
+            <a:schemeClr val="accent1"/>
+          </a:fillRef>
+          <a:effectRef idx="0">
+            <a:schemeClr val="accent1"/>
+          </a:effectRef>
+          <a:fontRef idx="minor">
+            <a:schemeClr val="lt1"/>
+          </a:fontRef>
+        </p:style>
+        <p:txBody>
+          <a:bodyPr rtlCol="0" anchor="ctr"/>
+          <a:lstStyle/>
+          <a:p>
+            <a:pPr algn="ctr"/>
             <a:endParaRPr lang="zh-CN" altLang="en-US"/>
+          </a:p>
+        </p:txBody>
+      </p:sp>
+      <p:grpSp>
+        <p:nvGrpSpPr>
+          <p:cNvPr id="115" name="组合 114">
+            <a:extLst>
+              <a:ext uri="{FF2B5EF4-FFF2-40B4-BE49-F238E27FC236}">
+                <a16:creationId xmlns:a16="http://schemas.microsoft.com/office/drawing/2014/main" id="{42F25CEF-34AA-4E61-BD05-0FDBFE8A114B}"/>
+              </a:ext>
+            </a:extLst>
+          </p:cNvPr>
+          <p:cNvGrpSpPr/>
+          <p:nvPr/>
+        </p:nvGrpSpPr>
+        <p:grpSpPr>
+          <a:xfrm>
+            <a:off x="3227102" y="3565235"/>
+            <a:ext cx="1089892" cy="641585"/>
+            <a:chOff x="3227102" y="3565235"/>
+            <a:chExt cx="1089892" cy="641585"/>
+          </a:xfrm>
+        </p:grpSpPr>
+        <p:sp>
+          <p:nvSpPr>
+            <p:cNvPr id="5" name="矩形: 一个圆顶角，剪去另一个顶角 4">
+              <a:extLst>
+                <a:ext uri="{FF2B5EF4-FFF2-40B4-BE49-F238E27FC236}">
+                  <a16:creationId xmlns:a16="http://schemas.microsoft.com/office/drawing/2014/main" id="{E4944108-D253-400B-8BEF-991FB7AB993F}"/>
+                </a:ext>
+              </a:extLst>
+            </p:cNvPr>
+            <p:cNvSpPr/>
+            <p:nvPr/>
+          </p:nvSpPr>
+          <p:spPr>
+            <a:xfrm>
+              <a:off x="3358355" y="3697978"/>
+              <a:ext cx="958639" cy="508842"/>
+            </a:xfrm>
+            <a:prstGeom prst="snipRoundRect">
+              <a:avLst/>
+            </a:prstGeom>
+          </p:spPr>
+          <p:style>
+            <a:lnRef idx="2">
+              <a:schemeClr val="accent2">
+                <a:shade val="50000"/>
+              </a:schemeClr>
+            </a:lnRef>
+            <a:fillRef idx="1">
+              <a:schemeClr val="accent2"/>
+            </a:fillRef>
+            <a:effectRef idx="0">
+              <a:schemeClr val="accent2"/>
+            </a:effectRef>
+            <a:fontRef idx="minor">
+              <a:schemeClr val="lt1"/>
+            </a:fontRef>
+          </p:style>
+          <p:txBody>
+            <a:bodyPr rtlCol="0" anchor="ctr"/>
+            <a:lstStyle/>
+            <a:p>
+              <a:pPr algn="ctr"/>
+              <a:r>
+                <a:rPr lang="en-US" altLang="zh-CN" sz="1200" dirty="0"/>
+                <a:t>ETCD</a:t>
+              </a:r>
+              <a:endParaRPr lang="zh-CN" altLang="en-US" sz="1200" dirty="0"/>
+            </a:p>
+          </p:txBody>
+        </p:sp>
+        <p:sp>
+          <p:nvSpPr>
+            <p:cNvPr id="6" name="矩形: 一个圆顶角，剪去另一个顶角 5">
+              <a:extLst>
+                <a:ext uri="{FF2B5EF4-FFF2-40B4-BE49-F238E27FC236}">
+                  <a16:creationId xmlns:a16="http://schemas.microsoft.com/office/drawing/2014/main" id="{9D991C86-F9C7-48E6-A162-A88FD627069D}"/>
+                </a:ext>
+              </a:extLst>
+            </p:cNvPr>
+            <p:cNvSpPr/>
+            <p:nvPr/>
+          </p:nvSpPr>
+          <p:spPr>
+            <a:xfrm>
+              <a:off x="3294772" y="3631604"/>
+              <a:ext cx="958639" cy="508842"/>
+            </a:xfrm>
+            <a:prstGeom prst="snipRoundRect">
+              <a:avLst/>
+            </a:prstGeom>
+          </p:spPr>
+          <p:style>
+            <a:lnRef idx="2">
+              <a:schemeClr val="accent2">
+                <a:shade val="50000"/>
+              </a:schemeClr>
+            </a:lnRef>
+            <a:fillRef idx="1">
+              <a:schemeClr val="accent2"/>
+            </a:fillRef>
+            <a:effectRef idx="0">
+              <a:schemeClr val="accent2"/>
+            </a:effectRef>
+            <a:fontRef idx="minor">
+              <a:schemeClr val="lt1"/>
+            </a:fontRef>
+          </p:style>
+          <p:txBody>
+            <a:bodyPr rtlCol="0" anchor="ctr"/>
+            <a:lstStyle/>
+            <a:p>
+              <a:pPr algn="ctr"/>
+              <a:r>
+                <a:rPr lang="en-US" altLang="zh-CN" sz="1200" dirty="0"/>
+                <a:t>ETCD</a:t>
+              </a:r>
+              <a:endParaRPr lang="zh-CN" altLang="en-US" sz="1200" dirty="0"/>
+            </a:p>
+          </p:txBody>
+        </p:sp>
+        <p:sp>
+          <p:nvSpPr>
+            <p:cNvPr id="7" name="矩形: 一个圆顶角，剪去另一个顶角 6">
+              <a:extLst>
+                <a:ext uri="{FF2B5EF4-FFF2-40B4-BE49-F238E27FC236}">
+                  <a16:creationId xmlns:a16="http://schemas.microsoft.com/office/drawing/2014/main" id="{90F8D8C9-FD06-4C7B-A73B-6708D03C790F}"/>
+                </a:ext>
+              </a:extLst>
+            </p:cNvPr>
+            <p:cNvSpPr/>
+            <p:nvPr/>
+          </p:nvSpPr>
+          <p:spPr>
+            <a:xfrm>
+              <a:off x="3227102" y="3565235"/>
+              <a:ext cx="958639" cy="508842"/>
+            </a:xfrm>
+            <a:prstGeom prst="snipRoundRect">
+              <a:avLst/>
+            </a:prstGeom>
+          </p:spPr>
+          <p:style>
+            <a:lnRef idx="2">
+              <a:schemeClr val="accent2">
+                <a:shade val="50000"/>
+              </a:schemeClr>
+            </a:lnRef>
+            <a:fillRef idx="1">
+              <a:schemeClr val="accent2"/>
+            </a:fillRef>
+            <a:effectRef idx="0">
+              <a:schemeClr val="accent2"/>
+            </a:effectRef>
+            <a:fontRef idx="minor">
+              <a:schemeClr val="lt1"/>
+            </a:fontRef>
+          </p:style>
+          <p:txBody>
+            <a:bodyPr rtlCol="0" anchor="ctr"/>
+            <a:lstStyle/>
+            <a:p>
+              <a:pPr algn="ctr"/>
+              <a:r>
+                <a:rPr lang="en-US" altLang="zh-CN" sz="1200" dirty="0"/>
+                <a:t>ETCD</a:t>
+              </a:r>
+              <a:endParaRPr lang="zh-CN" altLang="en-US" sz="1200" dirty="0"/>
+            </a:p>
+          </p:txBody>
+        </p:sp>
+      </p:grpSp>
+      <p:sp>
+        <p:nvSpPr>
+          <p:cNvPr id="8" name="矩形 7">
+            <a:extLst>
+              <a:ext uri="{FF2B5EF4-FFF2-40B4-BE49-F238E27FC236}">
+                <a16:creationId xmlns:a16="http://schemas.microsoft.com/office/drawing/2014/main" id="{1F12D8B5-0656-4CAF-A060-7DBA9D0C5281}"/>
+              </a:ext>
+            </a:extLst>
+          </p:cNvPr>
+          <p:cNvSpPr/>
+          <p:nvPr/>
+        </p:nvSpPr>
+        <p:spPr>
+          <a:xfrm>
+            <a:off x="4458395" y="4676254"/>
+            <a:ext cx="938638" cy="378003"/>
+          </a:xfrm>
+          <a:prstGeom prst="rect">
+            <a:avLst/>
+          </a:prstGeom>
+        </p:spPr>
+        <p:style>
+          <a:lnRef idx="2">
+            <a:schemeClr val="accent5">
+              <a:shade val="50000"/>
+            </a:schemeClr>
+          </a:lnRef>
+          <a:fillRef idx="1">
+            <a:schemeClr val="accent5"/>
+          </a:fillRef>
+          <a:effectRef idx="0">
+            <a:schemeClr val="accent5"/>
+          </a:effectRef>
+          <a:fontRef idx="minor">
+            <a:schemeClr val="lt1"/>
+          </a:fontRef>
+        </p:style>
+        <p:txBody>
+          <a:bodyPr rtlCol="0" anchor="ctr"/>
+          <a:lstStyle/>
+          <a:p>
+            <a:pPr algn="ctr"/>
+            <a:r>
+              <a:rPr lang="en-US" altLang="zh-CN" sz="1200" dirty="0"/>
+              <a:t>Server A</a:t>
+            </a:r>
+            <a:endParaRPr lang="zh-CN" altLang="en-US" sz="1200" dirty="0"/>
+          </a:p>
+        </p:txBody>
+      </p:sp>
+      <p:sp>
+        <p:nvSpPr>
+          <p:cNvPr id="9" name="矩形 8">
+            <a:extLst>
+              <a:ext uri="{FF2B5EF4-FFF2-40B4-BE49-F238E27FC236}">
+                <a16:creationId xmlns:a16="http://schemas.microsoft.com/office/drawing/2014/main" id="{4C5917F2-BC96-468E-BBE4-310C8AAA5D96}"/>
+              </a:ext>
+            </a:extLst>
+          </p:cNvPr>
+          <p:cNvSpPr/>
+          <p:nvPr/>
+        </p:nvSpPr>
+        <p:spPr>
+          <a:xfrm>
+            <a:off x="5578485" y="4673946"/>
+            <a:ext cx="938638" cy="378003"/>
+          </a:xfrm>
+          <a:prstGeom prst="rect">
+            <a:avLst/>
+          </a:prstGeom>
+        </p:spPr>
+        <p:style>
+          <a:lnRef idx="2">
+            <a:schemeClr val="accent5">
+              <a:shade val="50000"/>
+            </a:schemeClr>
+          </a:lnRef>
+          <a:fillRef idx="1">
+            <a:schemeClr val="accent5"/>
+          </a:fillRef>
+          <a:effectRef idx="0">
+            <a:schemeClr val="accent5"/>
+          </a:effectRef>
+          <a:fontRef idx="minor">
+            <a:schemeClr val="lt1"/>
+          </a:fontRef>
+        </p:style>
+        <p:txBody>
+          <a:bodyPr rtlCol="0" anchor="ctr"/>
+          <a:lstStyle/>
+          <a:p>
+            <a:pPr algn="ctr"/>
+            <a:r>
+              <a:rPr lang="en-US" altLang="zh-CN" sz="1200" dirty="0"/>
+              <a:t>Server B</a:t>
+            </a:r>
+            <a:endParaRPr lang="zh-CN" altLang="en-US" sz="1200" dirty="0"/>
+          </a:p>
+        </p:txBody>
+      </p:sp>
+      <p:sp>
+        <p:nvSpPr>
+          <p:cNvPr id="10" name="矩形 9">
+            <a:extLst>
+              <a:ext uri="{FF2B5EF4-FFF2-40B4-BE49-F238E27FC236}">
+                <a16:creationId xmlns:a16="http://schemas.microsoft.com/office/drawing/2014/main" id="{0209BCBA-BEB0-46EE-9356-64E7485A6301}"/>
+              </a:ext>
+            </a:extLst>
+          </p:cNvPr>
+          <p:cNvSpPr/>
+          <p:nvPr/>
+        </p:nvSpPr>
+        <p:spPr>
+          <a:xfrm>
+            <a:off x="6698575" y="4673946"/>
+            <a:ext cx="938638" cy="378003"/>
+          </a:xfrm>
+          <a:prstGeom prst="rect">
+            <a:avLst/>
+          </a:prstGeom>
+        </p:spPr>
+        <p:style>
+          <a:lnRef idx="2">
+            <a:schemeClr val="accent5">
+              <a:shade val="50000"/>
+            </a:schemeClr>
+          </a:lnRef>
+          <a:fillRef idx="1">
+            <a:schemeClr val="accent5"/>
+          </a:fillRef>
+          <a:effectRef idx="0">
+            <a:schemeClr val="accent5"/>
+          </a:effectRef>
+          <a:fontRef idx="minor">
+            <a:schemeClr val="lt1"/>
+          </a:fontRef>
+        </p:style>
+        <p:txBody>
+          <a:bodyPr rtlCol="0" anchor="ctr"/>
+          <a:lstStyle/>
+          <a:p>
+            <a:pPr algn="ctr"/>
+            <a:r>
+              <a:rPr lang="en-US" altLang="zh-CN" sz="1200" dirty="0"/>
+              <a:t>Server C</a:t>
+            </a:r>
+            <a:endParaRPr lang="zh-CN" altLang="en-US" sz="1200" dirty="0"/>
+          </a:p>
+        </p:txBody>
+      </p:sp>
+      <p:cxnSp>
+        <p:nvCxnSpPr>
+          <p:cNvPr id="17" name="连接符: 曲线 16">
+            <a:extLst>
+              <a:ext uri="{FF2B5EF4-FFF2-40B4-BE49-F238E27FC236}">
+                <a16:creationId xmlns:a16="http://schemas.microsoft.com/office/drawing/2014/main" id="{3D4E4395-14CB-4A17-AF74-70DE8DF5EFA5}"/>
+              </a:ext>
+            </a:extLst>
+          </p:cNvPr>
+          <p:cNvCxnSpPr>
+            <a:cxnSpLocks/>
+            <a:stCxn id="5" idx="1"/>
+            <a:endCxn id="81" idx="1"/>
+          </p:cNvCxnSpPr>
+          <p:nvPr/>
+        </p:nvCxnSpPr>
+        <p:spPr>
+          <a:xfrm rot="16200000" flipH="1">
+            <a:off x="3753890" y="4290604"/>
+            <a:ext cx="628417" cy="460847"/>
+          </a:xfrm>
+          <a:prstGeom prst="curvedConnector2">
+            <a:avLst/>
+          </a:prstGeom>
+          <a:ln>
+            <a:prstDash val="dash"/>
+            <a:headEnd type="triangle"/>
+            <a:tailEnd type="triangle"/>
+          </a:ln>
+        </p:spPr>
+        <p:style>
+          <a:lnRef idx="1">
+            <a:schemeClr val="accent3"/>
+          </a:lnRef>
+          <a:fillRef idx="0">
+            <a:schemeClr val="accent3"/>
+          </a:fillRef>
+          <a:effectRef idx="0">
+            <a:schemeClr val="accent3"/>
+          </a:effectRef>
+          <a:fontRef idx="minor">
+            <a:schemeClr val="tx1"/>
+          </a:fontRef>
+        </p:style>
+      </p:cxnSp>
+      <p:sp>
+        <p:nvSpPr>
+          <p:cNvPr id="30" name="矩形: 圆角 29">
+            <a:extLst>
+              <a:ext uri="{FF2B5EF4-FFF2-40B4-BE49-F238E27FC236}">
+                <a16:creationId xmlns:a16="http://schemas.microsoft.com/office/drawing/2014/main" id="{157A2EC0-432D-4C33-B936-88A714CCED72}"/>
+              </a:ext>
+            </a:extLst>
+          </p:cNvPr>
+          <p:cNvSpPr/>
+          <p:nvPr/>
+        </p:nvSpPr>
+        <p:spPr>
+          <a:xfrm>
+            <a:off x="4671585" y="2991049"/>
+            <a:ext cx="2752437" cy="280597"/>
+          </a:xfrm>
+          <a:prstGeom prst="roundRect">
+            <a:avLst/>
+          </a:prstGeom>
+        </p:spPr>
+        <p:style>
+          <a:lnRef idx="2">
+            <a:schemeClr val="accent6">
+              <a:shade val="50000"/>
+            </a:schemeClr>
+          </a:lnRef>
+          <a:fillRef idx="1">
+            <a:schemeClr val="accent6"/>
+          </a:fillRef>
+          <a:effectRef idx="0">
+            <a:schemeClr val="accent6"/>
+          </a:effectRef>
+          <a:fontRef idx="minor">
+            <a:schemeClr val="lt1"/>
+          </a:fontRef>
+        </p:style>
+        <p:txBody>
+          <a:bodyPr rtlCol="0" anchor="ctr"/>
+          <a:lstStyle/>
+          <a:p>
+            <a:pPr algn="ctr"/>
+            <a:r>
+              <a:rPr lang="en-US" altLang="zh-CN" sz="1200" dirty="0"/>
+              <a:t>API Gateway</a:t>
+            </a:r>
+            <a:endParaRPr lang="zh-CN" altLang="en-US" sz="1200" dirty="0"/>
+          </a:p>
+        </p:txBody>
+      </p:sp>
+      <p:cxnSp>
+        <p:nvCxnSpPr>
+          <p:cNvPr id="50" name="连接符: 曲线 49">
+            <a:extLst>
+              <a:ext uri="{FF2B5EF4-FFF2-40B4-BE49-F238E27FC236}">
+                <a16:creationId xmlns:a16="http://schemas.microsoft.com/office/drawing/2014/main" id="{E73ABF40-C407-4A84-83EB-EEB889D09896}"/>
+              </a:ext>
+            </a:extLst>
+          </p:cNvPr>
+          <p:cNvCxnSpPr>
+            <a:cxnSpLocks/>
+            <a:stCxn id="7" idx="3"/>
+            <a:endCxn id="30" idx="1"/>
+          </p:cNvCxnSpPr>
+          <p:nvPr/>
+        </p:nvCxnSpPr>
+        <p:spPr>
+          <a:xfrm rot="5400000" flipH="1" flipV="1">
+            <a:off x="3972060" y="2865711"/>
+            <a:ext cx="433887" cy="965163"/>
+          </a:xfrm>
+          <a:prstGeom prst="curvedConnector2">
+            <a:avLst/>
+          </a:prstGeom>
+          <a:ln>
+            <a:prstDash val="dash"/>
+            <a:headEnd type="triangle"/>
+            <a:tailEnd type="triangle"/>
+          </a:ln>
+        </p:spPr>
+        <p:style>
+          <a:lnRef idx="1">
+            <a:schemeClr val="accent3"/>
+          </a:lnRef>
+          <a:fillRef idx="0">
+            <a:schemeClr val="accent3"/>
+          </a:fillRef>
+          <a:effectRef idx="0">
+            <a:schemeClr val="accent3"/>
+          </a:effectRef>
+          <a:fontRef idx="minor">
+            <a:schemeClr val="tx1"/>
+          </a:fontRef>
+        </p:style>
+      </p:cxnSp>
+      <p:cxnSp>
+        <p:nvCxnSpPr>
+          <p:cNvPr id="59" name="直接箭头连接符 58">
+            <a:extLst>
+              <a:ext uri="{FF2B5EF4-FFF2-40B4-BE49-F238E27FC236}">
+                <a16:creationId xmlns:a16="http://schemas.microsoft.com/office/drawing/2014/main" id="{63F9551E-200F-4567-97BB-6E5C925142E0}"/>
+              </a:ext>
+            </a:extLst>
+          </p:cNvPr>
+          <p:cNvCxnSpPr>
+            <a:cxnSpLocks/>
+            <a:stCxn id="30" idx="2"/>
+            <a:endCxn id="81" idx="0"/>
+          </p:cNvCxnSpPr>
+          <p:nvPr/>
+        </p:nvCxnSpPr>
+        <p:spPr>
+          <a:xfrm>
+            <a:off x="6047804" y="3271646"/>
+            <a:ext cx="0" cy="1207991"/>
+          </a:xfrm>
+          <a:prstGeom prst="straightConnector1">
+            <a:avLst/>
+          </a:prstGeom>
+          <a:ln w="12700">
+            <a:headEnd type="arrow" w="med" len="med"/>
+            <a:tailEnd type="arrow" w="med" len="med"/>
+          </a:ln>
+        </p:spPr>
+        <p:style>
+          <a:lnRef idx="1">
+            <a:schemeClr val="accent3"/>
+          </a:lnRef>
+          <a:fillRef idx="0">
+            <a:schemeClr val="accent3"/>
+          </a:fillRef>
+          <a:effectRef idx="0">
+            <a:schemeClr val="accent3"/>
+          </a:effectRef>
+          <a:fontRef idx="minor">
+            <a:schemeClr val="tx1"/>
+          </a:fontRef>
+        </p:style>
+      </p:cxnSp>
+      <p:sp>
+        <p:nvSpPr>
+          <p:cNvPr id="74" name="文本框 73">
+            <a:extLst>
+              <a:ext uri="{FF2B5EF4-FFF2-40B4-BE49-F238E27FC236}">
+                <a16:creationId xmlns:a16="http://schemas.microsoft.com/office/drawing/2014/main" id="{CECBA361-86B8-4CFC-A86A-9AF5C02D9789}"/>
+              </a:ext>
+            </a:extLst>
+          </p:cNvPr>
+          <p:cNvSpPr txBox="1"/>
+          <p:nvPr/>
+        </p:nvSpPr>
+        <p:spPr>
+          <a:xfrm>
+            <a:off x="5967004" y="3747873"/>
+            <a:ext cx="616716" cy="246221"/>
+          </a:xfrm>
+          <a:prstGeom prst="rect">
+            <a:avLst/>
+          </a:prstGeom>
+          <a:noFill/>
+        </p:spPr>
+        <p:txBody>
+          <a:bodyPr wrap="square" rtlCol="0">
+            <a:spAutoFit/>
+          </a:bodyPr>
+          <a:lstStyle/>
+          <a:p>
+            <a:pPr algn="ctr"/>
+            <a:r>
+              <a:rPr lang="en-US" altLang="zh-CN" sz="1000" dirty="0">
+                <a:solidFill>
+                  <a:schemeClr val="accent4"/>
+                </a:solidFill>
+              </a:rPr>
+              <a:t>GRPC</a:t>
+            </a:r>
+            <a:endParaRPr lang="zh-CN" altLang="en-US" sz="1000" dirty="0">
+              <a:solidFill>
+                <a:schemeClr val="accent4"/>
+              </a:solidFill>
+            </a:endParaRPr>
+          </a:p>
+        </p:txBody>
+      </p:sp>
+      <p:sp>
+        <p:nvSpPr>
+          <p:cNvPr id="76" name="椭圆 75">
+            <a:extLst>
+              <a:ext uri="{FF2B5EF4-FFF2-40B4-BE49-F238E27FC236}">
+                <a16:creationId xmlns:a16="http://schemas.microsoft.com/office/drawing/2014/main" id="{505047CF-E5B5-4798-A3D0-619DCCDA0CA9}"/>
+              </a:ext>
+            </a:extLst>
+          </p:cNvPr>
+          <p:cNvSpPr/>
+          <p:nvPr/>
+        </p:nvSpPr>
+        <p:spPr>
+          <a:xfrm>
+            <a:off x="5204983" y="1678508"/>
+            <a:ext cx="805291" cy="508842"/>
+          </a:xfrm>
+          <a:prstGeom prst="ellipse">
+            <a:avLst/>
+          </a:prstGeom>
+        </p:spPr>
+        <p:style>
+          <a:lnRef idx="2">
+            <a:schemeClr val="accent5">
+              <a:shade val="50000"/>
+            </a:schemeClr>
+          </a:lnRef>
+          <a:fillRef idx="1">
+            <a:schemeClr val="accent5"/>
+          </a:fillRef>
+          <a:effectRef idx="0">
+            <a:schemeClr val="accent5"/>
+          </a:effectRef>
+          <a:fontRef idx="minor">
+            <a:schemeClr val="lt1"/>
+          </a:fontRef>
+        </p:style>
+        <p:txBody>
+          <a:bodyPr rtlCol="0" anchor="ctr"/>
+          <a:lstStyle/>
+          <a:p>
+            <a:pPr algn="ctr"/>
+            <a:r>
+              <a:rPr lang="en-US" altLang="zh-CN" sz="1200" dirty="0"/>
+              <a:t>APP</a:t>
+            </a:r>
+            <a:endParaRPr lang="zh-CN" altLang="en-US" sz="1200" dirty="0"/>
+          </a:p>
+        </p:txBody>
+      </p:sp>
+      <p:sp>
+        <p:nvSpPr>
+          <p:cNvPr id="77" name="椭圆 76">
+            <a:extLst>
+              <a:ext uri="{FF2B5EF4-FFF2-40B4-BE49-F238E27FC236}">
+                <a16:creationId xmlns:a16="http://schemas.microsoft.com/office/drawing/2014/main" id="{FB71AC54-AE6E-4885-AECA-92428BF96A4D}"/>
+              </a:ext>
+            </a:extLst>
+          </p:cNvPr>
+          <p:cNvSpPr/>
+          <p:nvPr/>
+        </p:nvSpPr>
+        <p:spPr>
+          <a:xfrm>
+            <a:off x="6096000" y="1678508"/>
+            <a:ext cx="805291" cy="508842"/>
+          </a:xfrm>
+          <a:prstGeom prst="ellipse">
+            <a:avLst/>
+          </a:prstGeom>
+        </p:spPr>
+        <p:style>
+          <a:lnRef idx="2">
+            <a:schemeClr val="accent5">
+              <a:shade val="50000"/>
+            </a:schemeClr>
+          </a:lnRef>
+          <a:fillRef idx="1">
+            <a:schemeClr val="accent5"/>
+          </a:fillRef>
+          <a:effectRef idx="0">
+            <a:schemeClr val="accent5"/>
+          </a:effectRef>
+          <a:fontRef idx="minor">
+            <a:schemeClr val="lt1"/>
+          </a:fontRef>
+        </p:style>
+        <p:txBody>
+          <a:bodyPr rtlCol="0" anchor="ctr"/>
+          <a:lstStyle/>
+          <a:p>
+            <a:pPr algn="ctr"/>
+            <a:r>
+              <a:rPr lang="en-US" altLang="zh-CN" sz="1200" dirty="0"/>
+              <a:t>WEB</a:t>
+            </a:r>
+            <a:endParaRPr lang="zh-CN" altLang="en-US" sz="1200" dirty="0"/>
+          </a:p>
+        </p:txBody>
+      </p:sp>
+      <p:sp>
+        <p:nvSpPr>
+          <p:cNvPr id="82" name="文本框 81">
+            <a:extLst>
+              <a:ext uri="{FF2B5EF4-FFF2-40B4-BE49-F238E27FC236}">
+                <a16:creationId xmlns:a16="http://schemas.microsoft.com/office/drawing/2014/main" id="{D574BD5C-B27F-48D3-8B0C-AEB4A7429ABE}"/>
+              </a:ext>
+            </a:extLst>
+          </p:cNvPr>
+          <p:cNvSpPr txBox="1"/>
+          <p:nvPr/>
+        </p:nvSpPr>
+        <p:spPr>
+          <a:xfrm>
+            <a:off x="7728236" y="4709058"/>
+            <a:ext cx="776590" cy="307777"/>
+          </a:xfrm>
+          <a:prstGeom prst="rect">
+            <a:avLst/>
+          </a:prstGeom>
+          <a:noFill/>
+        </p:spPr>
+        <p:txBody>
+          <a:bodyPr wrap="square" rtlCol="0">
+            <a:spAutoFit/>
+          </a:bodyPr>
+          <a:lstStyle>
+            <a:defPPr>
+              <a:defRPr lang="zh-CN"/>
+            </a:defPPr>
+            <a:lvl1pPr algn="ctr">
+              <a:defRPr sz="1400">
+                <a:solidFill>
+                  <a:schemeClr val="tx1">
+                    <a:lumMod val="65000"/>
+                    <a:lumOff val="35000"/>
+                  </a:schemeClr>
+                </a:solidFill>
+              </a:defRPr>
+            </a:lvl1pPr>
+          </a:lstStyle>
+          <a:p>
+            <a:r>
+              <a:rPr lang="en-US" altLang="zh-CN" dirty="0"/>
+              <a:t>Server</a:t>
+            </a:r>
+            <a:endParaRPr lang="zh-CN" altLang="en-US" dirty="0"/>
+          </a:p>
+        </p:txBody>
+      </p:sp>
+      <p:cxnSp>
+        <p:nvCxnSpPr>
+          <p:cNvPr id="89" name="直接箭头连接符 88">
+            <a:extLst>
+              <a:ext uri="{FF2B5EF4-FFF2-40B4-BE49-F238E27FC236}">
+                <a16:creationId xmlns:a16="http://schemas.microsoft.com/office/drawing/2014/main" id="{B7290ECA-760F-49DB-A27C-0A36E3E2FF1E}"/>
+              </a:ext>
+            </a:extLst>
+          </p:cNvPr>
+          <p:cNvCxnSpPr>
+            <a:cxnSpLocks/>
+            <a:stCxn id="92" idx="2"/>
+            <a:endCxn id="30" idx="0"/>
+          </p:cNvCxnSpPr>
+          <p:nvPr/>
+        </p:nvCxnSpPr>
+        <p:spPr>
+          <a:xfrm>
+            <a:off x="6047804" y="2283000"/>
+            <a:ext cx="0" cy="708049"/>
+          </a:xfrm>
+          <a:prstGeom prst="straightConnector1">
+            <a:avLst/>
+          </a:prstGeom>
+          <a:ln w="12700">
+            <a:headEnd type="arrow" w="med" len="med"/>
+            <a:tailEnd type="arrow" w="med" len="med"/>
+          </a:ln>
+        </p:spPr>
+        <p:style>
+          <a:lnRef idx="1">
+            <a:schemeClr val="accent3"/>
+          </a:lnRef>
+          <a:fillRef idx="0">
+            <a:schemeClr val="accent3"/>
+          </a:fillRef>
+          <a:effectRef idx="0">
+            <a:schemeClr val="accent3"/>
+          </a:effectRef>
+          <a:fontRef idx="minor">
+            <a:schemeClr val="tx1"/>
+          </a:fontRef>
+        </p:style>
+      </p:cxnSp>
+      <p:sp>
+        <p:nvSpPr>
+          <p:cNvPr id="96" name="文本框 95">
+            <a:extLst>
+              <a:ext uri="{FF2B5EF4-FFF2-40B4-BE49-F238E27FC236}">
+                <a16:creationId xmlns:a16="http://schemas.microsoft.com/office/drawing/2014/main" id="{EEEB6A7A-EBD7-4CB9-8A1D-9DA80D266603}"/>
+              </a:ext>
+            </a:extLst>
+          </p:cNvPr>
+          <p:cNvSpPr txBox="1"/>
+          <p:nvPr/>
+        </p:nvSpPr>
+        <p:spPr>
+          <a:xfrm>
+            <a:off x="5967004" y="2520030"/>
+            <a:ext cx="616716" cy="246221"/>
+          </a:xfrm>
+          <a:prstGeom prst="rect">
+            <a:avLst/>
+          </a:prstGeom>
+          <a:noFill/>
+        </p:spPr>
+        <p:txBody>
+          <a:bodyPr wrap="square" rtlCol="0">
+            <a:spAutoFit/>
+          </a:bodyPr>
+          <a:lstStyle>
+            <a:defPPr>
+              <a:defRPr lang="zh-CN"/>
+            </a:defPPr>
+            <a:lvl1pPr algn="ctr">
+              <a:defRPr sz="1000">
+                <a:solidFill>
+                  <a:schemeClr val="accent4"/>
+                </a:solidFill>
+              </a:defRPr>
+            </a:lvl1pPr>
+          </a:lstStyle>
+          <a:p>
+            <a:r>
+              <a:rPr lang="en-US" altLang="zh-CN" dirty="0"/>
+              <a:t>HTTP</a:t>
+            </a:r>
+            <a:endParaRPr lang="zh-CN" altLang="en-US" dirty="0"/>
+          </a:p>
+        </p:txBody>
+      </p:sp>
+      <p:sp>
+        <p:nvSpPr>
+          <p:cNvPr id="97" name="文本框 96">
+            <a:extLst>
+              <a:ext uri="{FF2B5EF4-FFF2-40B4-BE49-F238E27FC236}">
+                <a16:creationId xmlns:a16="http://schemas.microsoft.com/office/drawing/2014/main" id="{67C1B52E-30E7-4286-AC4D-1AFD1C967E77}"/>
+              </a:ext>
+            </a:extLst>
+          </p:cNvPr>
+          <p:cNvSpPr txBox="1"/>
+          <p:nvPr/>
+        </p:nvSpPr>
+        <p:spPr>
+          <a:xfrm>
+            <a:off x="7345130" y="1773511"/>
+            <a:ext cx="776590" cy="307777"/>
+          </a:xfrm>
+          <a:prstGeom prst="rect">
+            <a:avLst/>
+          </a:prstGeom>
+          <a:noFill/>
+        </p:spPr>
+        <p:txBody>
+          <a:bodyPr wrap="square" rtlCol="0">
+            <a:spAutoFit/>
+          </a:bodyPr>
+          <a:lstStyle>
+            <a:defPPr>
+              <a:defRPr lang="zh-CN"/>
+            </a:defPPr>
+            <a:lvl1pPr algn="ctr">
+              <a:defRPr sz="1400">
+                <a:solidFill>
+                  <a:schemeClr val="tx1">
+                    <a:lumMod val="65000"/>
+                    <a:lumOff val="35000"/>
+                  </a:schemeClr>
+                </a:solidFill>
+              </a:defRPr>
+            </a:lvl1pPr>
+          </a:lstStyle>
+          <a:p>
+            <a:r>
+              <a:rPr lang="en-US" altLang="zh-CN" dirty="0"/>
+              <a:t>Client</a:t>
+            </a:r>
+            <a:endParaRPr lang="zh-CN" altLang="en-US" dirty="0"/>
+          </a:p>
+        </p:txBody>
+      </p:sp>
+      <p:sp>
+        <p:nvSpPr>
+          <p:cNvPr id="113" name="文本框 112">
+            <a:extLst>
+              <a:ext uri="{FF2B5EF4-FFF2-40B4-BE49-F238E27FC236}">
+                <a16:creationId xmlns:a16="http://schemas.microsoft.com/office/drawing/2014/main" id="{9E6FD7F8-82EF-465E-818E-70D8DD5B0D85}"/>
+              </a:ext>
+            </a:extLst>
+          </p:cNvPr>
+          <p:cNvSpPr txBox="1"/>
+          <p:nvPr/>
+        </p:nvSpPr>
+        <p:spPr>
+          <a:xfrm>
+            <a:off x="4243391" y="3736586"/>
+            <a:ext cx="891741" cy="307777"/>
+          </a:xfrm>
+          <a:prstGeom prst="rect">
+            <a:avLst/>
+          </a:prstGeom>
+          <a:noFill/>
+        </p:spPr>
+        <p:txBody>
+          <a:bodyPr wrap="square" rtlCol="0">
+            <a:spAutoFit/>
+          </a:bodyPr>
+          <a:lstStyle>
+            <a:defPPr>
+              <a:defRPr lang="zh-CN"/>
+            </a:defPPr>
+            <a:lvl1pPr algn="ctr">
+              <a:defRPr sz="1400">
+                <a:solidFill>
+                  <a:schemeClr val="tx1">
+                    <a:lumMod val="65000"/>
+                    <a:lumOff val="35000"/>
+                  </a:schemeClr>
+                </a:solidFill>
+              </a:defRPr>
+            </a:lvl1pPr>
+          </a:lstStyle>
+          <a:p>
+            <a:r>
+              <a:rPr lang="en-US" altLang="zh-CN" dirty="0"/>
+              <a:t>Registry</a:t>
+            </a:r>
+            <a:endParaRPr lang="zh-CN" altLang="en-US" dirty="0"/>
           </a:p>
         </p:txBody>
       </p:sp>
@@ -7259,6 +8211,443 @@
     <p:extLst>
       <p:ext uri="{BB962C8B-B14F-4D97-AF65-F5344CB8AC3E}">
         <p14:creationId xmlns:p14="http://schemas.microsoft.com/office/powerpoint/2010/main" val="1205598591"/>
+      </p:ext>
+    </p:extLst>
+  </p:cSld>
+  <p:clrMapOvr>
+    <a:masterClrMapping/>
+  </p:clrMapOvr>
+</p:sld>
+</file>
+
+<file path=ppt/slides/slide4.xml><?xml version="1.0" encoding="utf-8"?>
+<p:sld xmlns:a="http://schemas.openxmlformats.org/drawingml/2006/main" xmlns:r="http://schemas.openxmlformats.org/officeDocument/2006/relationships" xmlns:p="http://schemas.openxmlformats.org/presentationml/2006/main">
+  <p:cSld>
+    <p:spTree>
+      <p:nvGrpSpPr>
+        <p:cNvPr id="1" name=""/>
+        <p:cNvGrpSpPr/>
+        <p:nvPr/>
+      </p:nvGrpSpPr>
+      <p:grpSpPr>
+        <a:xfrm>
+          <a:off x="0" y="0"/>
+          <a:ext cx="0" cy="0"/>
+          <a:chOff x="0" y="0"/>
+          <a:chExt cx="0" cy="0"/>
+        </a:xfrm>
+      </p:grpSpPr>
+      <p:sp>
+        <p:nvSpPr>
+          <p:cNvPr id="23" name="矩形 22">
+            <a:extLst>
+              <a:ext uri="{FF2B5EF4-FFF2-40B4-BE49-F238E27FC236}">
+                <a16:creationId xmlns:a16="http://schemas.microsoft.com/office/drawing/2014/main" id="{E1C842D4-506D-46A0-B211-93D988784CC4}"/>
+              </a:ext>
+            </a:extLst>
+          </p:cNvPr>
+          <p:cNvSpPr/>
+          <p:nvPr/>
+        </p:nvSpPr>
+        <p:spPr>
+          <a:xfrm>
+            <a:off x="3375333" y="2595103"/>
+            <a:ext cx="2378922" cy="378003"/>
+          </a:xfrm>
+          <a:prstGeom prst="rect">
+            <a:avLst/>
+          </a:prstGeom>
+        </p:spPr>
+        <p:style>
+          <a:lnRef idx="2">
+            <a:schemeClr val="accent5">
+              <a:shade val="50000"/>
+            </a:schemeClr>
+          </a:lnRef>
+          <a:fillRef idx="1">
+            <a:schemeClr val="accent5"/>
+          </a:fillRef>
+          <a:effectRef idx="0">
+            <a:schemeClr val="accent5"/>
+          </a:effectRef>
+          <a:fontRef idx="minor">
+            <a:schemeClr val="lt1"/>
+          </a:fontRef>
+        </p:style>
+        <p:txBody>
+          <a:bodyPr rtlCol="0" anchor="ctr"/>
+          <a:lstStyle/>
+          <a:p>
+            <a:pPr algn="ctr"/>
+            <a:r>
+              <a:rPr lang="en-US" altLang="zh-CN" sz="1200" dirty="0"/>
+              <a:t>registry</a:t>
+            </a:r>
+            <a:endParaRPr lang="zh-CN" altLang="en-US" sz="1200" dirty="0"/>
+          </a:p>
+        </p:txBody>
+      </p:sp>
+      <p:sp>
+        <p:nvSpPr>
+          <p:cNvPr id="24" name="矩形 23">
+            <a:extLst>
+              <a:ext uri="{FF2B5EF4-FFF2-40B4-BE49-F238E27FC236}">
+                <a16:creationId xmlns:a16="http://schemas.microsoft.com/office/drawing/2014/main" id="{D1292EDB-FB6F-4769-B5C7-F7B284D1CE4E}"/>
+              </a:ext>
+            </a:extLst>
+          </p:cNvPr>
+          <p:cNvSpPr/>
+          <p:nvPr/>
+        </p:nvSpPr>
+        <p:spPr>
+          <a:xfrm>
+            <a:off x="4815617" y="3239998"/>
+            <a:ext cx="938638" cy="378003"/>
+          </a:xfrm>
+          <a:prstGeom prst="rect">
+            <a:avLst/>
+          </a:prstGeom>
+        </p:spPr>
+        <p:style>
+          <a:lnRef idx="2">
+            <a:schemeClr val="accent5">
+              <a:shade val="50000"/>
+            </a:schemeClr>
+          </a:lnRef>
+          <a:fillRef idx="1">
+            <a:schemeClr val="accent5"/>
+          </a:fillRef>
+          <a:effectRef idx="0">
+            <a:schemeClr val="accent5"/>
+          </a:effectRef>
+          <a:fontRef idx="minor">
+            <a:schemeClr val="lt1"/>
+          </a:fontRef>
+        </p:style>
+        <p:txBody>
+          <a:bodyPr rtlCol="0" anchor="ctr"/>
+          <a:lstStyle/>
+          <a:p>
+            <a:pPr algn="ctr"/>
+            <a:r>
+              <a:rPr lang="en-US" altLang="zh-CN" sz="1200" dirty="0"/>
+              <a:t>server</a:t>
+            </a:r>
+            <a:endParaRPr lang="zh-CN" altLang="en-US" sz="1200" dirty="0"/>
+          </a:p>
+        </p:txBody>
+      </p:sp>
+      <p:sp>
+        <p:nvSpPr>
+          <p:cNvPr id="25" name="矩形 24">
+            <a:extLst>
+              <a:ext uri="{FF2B5EF4-FFF2-40B4-BE49-F238E27FC236}">
+                <a16:creationId xmlns:a16="http://schemas.microsoft.com/office/drawing/2014/main" id="{D800F48B-7C0C-47B7-854A-45ECE6DF538B}"/>
+              </a:ext>
+            </a:extLst>
+          </p:cNvPr>
+          <p:cNvSpPr/>
+          <p:nvPr/>
+        </p:nvSpPr>
+        <p:spPr>
+          <a:xfrm>
+            <a:off x="3375333" y="3239998"/>
+            <a:ext cx="938638" cy="378003"/>
+          </a:xfrm>
+          <a:prstGeom prst="rect">
+            <a:avLst/>
+          </a:prstGeom>
+        </p:spPr>
+        <p:style>
+          <a:lnRef idx="2">
+            <a:schemeClr val="accent5">
+              <a:shade val="50000"/>
+            </a:schemeClr>
+          </a:lnRef>
+          <a:fillRef idx="1">
+            <a:schemeClr val="accent5"/>
+          </a:fillRef>
+          <a:effectRef idx="0">
+            <a:schemeClr val="accent5"/>
+          </a:effectRef>
+          <a:fontRef idx="minor">
+            <a:schemeClr val="lt1"/>
+          </a:fontRef>
+        </p:style>
+        <p:txBody>
+          <a:bodyPr rtlCol="0" anchor="ctr"/>
+          <a:lstStyle/>
+          <a:p>
+            <a:pPr algn="ctr"/>
+            <a:r>
+              <a:rPr lang="en-US" altLang="zh-CN" sz="1200" dirty="0"/>
+              <a:t>client</a:t>
+            </a:r>
+            <a:endParaRPr lang="zh-CN" altLang="en-US" sz="1200" dirty="0"/>
+          </a:p>
+        </p:txBody>
+      </p:sp>
+      <p:sp>
+        <p:nvSpPr>
+          <p:cNvPr id="26" name="矩形 25">
+            <a:extLst>
+              <a:ext uri="{FF2B5EF4-FFF2-40B4-BE49-F238E27FC236}">
+                <a16:creationId xmlns:a16="http://schemas.microsoft.com/office/drawing/2014/main" id="{83E8DAC1-C2CF-4B0B-A6F0-25B30ABC0195}"/>
+              </a:ext>
+            </a:extLst>
+          </p:cNvPr>
+          <p:cNvSpPr/>
+          <p:nvPr/>
+        </p:nvSpPr>
+        <p:spPr>
+          <a:xfrm>
+            <a:off x="3366097" y="3861801"/>
+            <a:ext cx="2401735" cy="378003"/>
+          </a:xfrm>
+          <a:prstGeom prst="rect">
+            <a:avLst/>
+          </a:prstGeom>
+        </p:spPr>
+        <p:style>
+          <a:lnRef idx="2">
+            <a:schemeClr val="accent5">
+              <a:shade val="50000"/>
+            </a:schemeClr>
+          </a:lnRef>
+          <a:fillRef idx="1">
+            <a:schemeClr val="accent5"/>
+          </a:fillRef>
+          <a:effectRef idx="0">
+            <a:schemeClr val="accent5"/>
+          </a:effectRef>
+          <a:fontRef idx="minor">
+            <a:schemeClr val="lt1"/>
+          </a:fontRef>
+        </p:style>
+        <p:txBody>
+          <a:bodyPr rtlCol="0" anchor="ctr"/>
+          <a:lstStyle/>
+          <a:p>
+            <a:pPr algn="ctr"/>
+            <a:r>
+              <a:rPr lang="en-US" altLang="zh-CN" sz="1200" dirty="0"/>
+              <a:t>Infra</a:t>
+            </a:r>
+            <a:endParaRPr lang="zh-CN" altLang="en-US" sz="1200" dirty="0"/>
+          </a:p>
+        </p:txBody>
+      </p:sp>
+      <p:cxnSp>
+        <p:nvCxnSpPr>
+          <p:cNvPr id="3" name="直接箭头连接符 2">
+            <a:extLst>
+              <a:ext uri="{FF2B5EF4-FFF2-40B4-BE49-F238E27FC236}">
+                <a16:creationId xmlns:a16="http://schemas.microsoft.com/office/drawing/2014/main" id="{401A7AF5-0688-4140-9310-6004D9871392}"/>
+              </a:ext>
+            </a:extLst>
+          </p:cNvPr>
+          <p:cNvCxnSpPr>
+            <a:cxnSpLocks/>
+          </p:cNvCxnSpPr>
+          <p:nvPr/>
+        </p:nvCxnSpPr>
+        <p:spPr>
+          <a:xfrm flipV="1">
+            <a:off x="3825881" y="2973106"/>
+            <a:ext cx="0" cy="266892"/>
+          </a:xfrm>
+          <a:prstGeom prst="straightConnector1">
+            <a:avLst/>
+          </a:prstGeom>
+          <a:ln>
+            <a:tailEnd type="triangle"/>
+          </a:ln>
+        </p:spPr>
+        <p:style>
+          <a:lnRef idx="1">
+            <a:schemeClr val="accent1"/>
+          </a:lnRef>
+          <a:fillRef idx="0">
+            <a:schemeClr val="accent1"/>
+          </a:fillRef>
+          <a:effectRef idx="0">
+            <a:schemeClr val="accent1"/>
+          </a:effectRef>
+          <a:fontRef idx="minor">
+            <a:schemeClr val="tx1"/>
+          </a:fontRef>
+        </p:style>
+      </p:cxnSp>
+      <p:cxnSp>
+        <p:nvCxnSpPr>
+          <p:cNvPr id="31" name="直接箭头连接符 30">
+            <a:extLst>
+              <a:ext uri="{FF2B5EF4-FFF2-40B4-BE49-F238E27FC236}">
+                <a16:creationId xmlns:a16="http://schemas.microsoft.com/office/drawing/2014/main" id="{B627B80C-52A6-45A8-9429-445A776F9A45}"/>
+              </a:ext>
+            </a:extLst>
+          </p:cNvPr>
+          <p:cNvCxnSpPr>
+            <a:cxnSpLocks/>
+          </p:cNvCxnSpPr>
+          <p:nvPr/>
+        </p:nvCxnSpPr>
+        <p:spPr>
+          <a:xfrm flipV="1">
+            <a:off x="5299081" y="2973106"/>
+            <a:ext cx="0" cy="266892"/>
+          </a:xfrm>
+          <a:prstGeom prst="straightConnector1">
+            <a:avLst/>
+          </a:prstGeom>
+          <a:ln>
+            <a:tailEnd type="triangle"/>
+          </a:ln>
+        </p:spPr>
+        <p:style>
+          <a:lnRef idx="1">
+            <a:schemeClr val="accent1"/>
+          </a:lnRef>
+          <a:fillRef idx="0">
+            <a:schemeClr val="accent1"/>
+          </a:fillRef>
+          <a:effectRef idx="0">
+            <a:schemeClr val="accent1"/>
+          </a:effectRef>
+          <a:fontRef idx="minor">
+            <a:schemeClr val="tx1"/>
+          </a:fontRef>
+        </p:style>
+      </p:cxnSp>
+      <p:cxnSp>
+        <p:nvCxnSpPr>
+          <p:cNvPr id="32" name="直接箭头连接符 31">
+            <a:extLst>
+              <a:ext uri="{FF2B5EF4-FFF2-40B4-BE49-F238E27FC236}">
+                <a16:creationId xmlns:a16="http://schemas.microsoft.com/office/drawing/2014/main" id="{B2474BF9-C723-47C2-A03F-DDA7B373887D}"/>
+              </a:ext>
+            </a:extLst>
+          </p:cNvPr>
+          <p:cNvCxnSpPr>
+            <a:cxnSpLocks/>
+            <a:stCxn id="23" idx="2"/>
+            <a:endCxn id="26" idx="0"/>
+          </p:cNvCxnSpPr>
+          <p:nvPr/>
+        </p:nvCxnSpPr>
+        <p:spPr>
+          <a:xfrm>
+            <a:off x="4564794" y="2973106"/>
+            <a:ext cx="2171" cy="888695"/>
+          </a:xfrm>
+          <a:prstGeom prst="straightConnector1">
+            <a:avLst/>
+          </a:prstGeom>
+          <a:ln>
+            <a:tailEnd type="triangle"/>
+          </a:ln>
+        </p:spPr>
+        <p:style>
+          <a:lnRef idx="1">
+            <a:schemeClr val="accent1"/>
+          </a:lnRef>
+          <a:fillRef idx="0">
+            <a:schemeClr val="accent1"/>
+          </a:fillRef>
+          <a:effectRef idx="0">
+            <a:schemeClr val="accent1"/>
+          </a:effectRef>
+          <a:fontRef idx="minor">
+            <a:schemeClr val="tx1"/>
+          </a:fontRef>
+        </p:style>
+      </p:cxnSp>
+      <p:cxnSp>
+        <p:nvCxnSpPr>
+          <p:cNvPr id="39" name="直接箭头连接符 38">
+            <a:extLst>
+              <a:ext uri="{FF2B5EF4-FFF2-40B4-BE49-F238E27FC236}">
+                <a16:creationId xmlns:a16="http://schemas.microsoft.com/office/drawing/2014/main" id="{BD1E2862-A76C-4110-99C5-5E19E736C79D}"/>
+              </a:ext>
+            </a:extLst>
+          </p:cNvPr>
+          <p:cNvCxnSpPr>
+            <a:cxnSpLocks/>
+          </p:cNvCxnSpPr>
+          <p:nvPr/>
+        </p:nvCxnSpPr>
+        <p:spPr>
+          <a:xfrm>
+            <a:off x="5289429" y="3618001"/>
+            <a:ext cx="0" cy="243800"/>
+          </a:xfrm>
+          <a:prstGeom prst="straightConnector1">
+            <a:avLst/>
+          </a:prstGeom>
+          <a:ln>
+            <a:tailEnd type="triangle"/>
+          </a:ln>
+        </p:spPr>
+        <p:style>
+          <a:lnRef idx="1">
+            <a:schemeClr val="accent1"/>
+          </a:lnRef>
+          <a:fillRef idx="0">
+            <a:schemeClr val="accent1"/>
+          </a:fillRef>
+          <a:effectRef idx="0">
+            <a:schemeClr val="accent1"/>
+          </a:effectRef>
+          <a:fontRef idx="minor">
+            <a:schemeClr val="tx1"/>
+          </a:fontRef>
+        </p:style>
+      </p:cxnSp>
+      <p:cxnSp>
+        <p:nvCxnSpPr>
+          <p:cNvPr id="42" name="直接箭头连接符 41">
+            <a:extLst>
+              <a:ext uri="{FF2B5EF4-FFF2-40B4-BE49-F238E27FC236}">
+                <a16:creationId xmlns:a16="http://schemas.microsoft.com/office/drawing/2014/main" id="{3D52F71C-DF78-4E79-986F-8E4A49200D8B}"/>
+              </a:ext>
+            </a:extLst>
+          </p:cNvPr>
+          <p:cNvCxnSpPr>
+            <a:cxnSpLocks/>
+          </p:cNvCxnSpPr>
+          <p:nvPr/>
+        </p:nvCxnSpPr>
+        <p:spPr>
+          <a:xfrm>
+            <a:off x="3826180" y="3618001"/>
+            <a:ext cx="0" cy="243800"/>
+          </a:xfrm>
+          <a:prstGeom prst="straightConnector1">
+            <a:avLst/>
+          </a:prstGeom>
+          <a:ln>
+            <a:tailEnd type="triangle"/>
+          </a:ln>
+        </p:spPr>
+        <p:style>
+          <a:lnRef idx="1">
+            <a:schemeClr val="accent1"/>
+          </a:lnRef>
+          <a:fillRef idx="0">
+            <a:schemeClr val="accent1"/>
+          </a:fillRef>
+          <a:effectRef idx="0">
+            <a:schemeClr val="accent1"/>
+          </a:effectRef>
+          <a:fontRef idx="minor">
+            <a:schemeClr val="tx1"/>
+          </a:fontRef>
+        </p:style>
+      </p:cxnSp>
+    </p:spTree>
+    <p:extLst>
+      <p:ext uri="{BB962C8B-B14F-4D97-AF65-F5344CB8AC3E}">
+        <p14:creationId xmlns:p14="http://schemas.microsoft.com/office/powerpoint/2010/main" val="3240322159"/>
       </p:ext>
     </p:extLst>
   </p:cSld>
